--- a/SoftwareONE-OCP4-Workshop-Approach.pptx
+++ b/SoftwareONE-OCP4-Workshop-Approach.pptx
@@ -5,10 +5,10 @@
     <p:sldMasterId id="2147483732" r:id="rId4"/>
   </p:sldMasterIdLst>
   <p:notesMasterIdLst>
-    <p:notesMasterId r:id="rId26"/>
+    <p:notesMasterId r:id="rId28"/>
   </p:notesMasterIdLst>
   <p:handoutMasterIdLst>
-    <p:handoutMasterId r:id="rId27"/>
+    <p:handoutMasterId r:id="rId29"/>
   </p:handoutMasterIdLst>
   <p:sldIdLst>
     <p:sldId id="612" r:id="rId5"/>
@@ -31,7 +31,9 @@
     <p:sldId id="656" r:id="rId22"/>
     <p:sldId id="657" r:id="rId23"/>
     <p:sldId id="658" r:id="rId24"/>
-    <p:sldId id="625" r:id="rId25"/>
+    <p:sldId id="659" r:id="rId25"/>
+    <p:sldId id="660" r:id="rId26"/>
+    <p:sldId id="625" r:id="rId27"/>
   </p:sldIdLst>
   <p:sldSz cx="12192000" cy="6858000"/>
   <p:notesSz cx="6797675" cy="9928225"/>
@@ -167,6 +169,8 @@
             <p14:sldId id="656"/>
             <p14:sldId id="657"/>
             <p14:sldId id="658"/>
+            <p14:sldId id="659"/>
+            <p14:sldId id="660"/>
             <p14:sldId id="625"/>
           </p14:sldIdLst>
         </p14:section>
@@ -16724,6 +16728,796 @@
       <p15:sldGuideLst xmlns:p15="http://schemas.microsoft.com/office/powerpoint/2012/main"/>
     </p:ext>
   </p:extLst>
+</p:sldLayout>
+</file>
+
+<file path=ppt/slideLayouts/slideLayout31.xml><?xml version="1.0" encoding="utf-8"?>
+<p:sldLayout xmlns:a="http://schemas.openxmlformats.org/drawingml/2006/main" xmlns:r="http://schemas.openxmlformats.org/officeDocument/2006/relationships" xmlns:p="http://schemas.openxmlformats.org/presentationml/2006/main" showMasterSp="0" userDrawn="1">
+  <p:cSld name="Basic 2: Text/Bullets/Subheading">
+    <p:spTree>
+      <p:nvGrpSpPr>
+        <p:cNvPr id="1" name=""/>
+        <p:cNvGrpSpPr/>
+        <p:nvPr/>
+      </p:nvGrpSpPr>
+      <p:grpSpPr>
+        <a:xfrm>
+          <a:off x="0" y="0"/>
+          <a:ext cx="0" cy="0"/>
+          <a:chOff x="0" y="0"/>
+          <a:chExt cx="0" cy="0"/>
+        </a:xfrm>
+      </p:grpSpPr>
+      <p:grpSp>
+        <p:nvGrpSpPr>
+          <p:cNvPr id="14" name="Group 13">
+            <a:extLst>
+              <a:ext uri="{FF2B5EF4-FFF2-40B4-BE49-F238E27FC236}">
+                <a16:creationId xmlns:a16="http://schemas.microsoft.com/office/drawing/2014/main" id="{D7A3A527-F322-4B7C-A2F8-7D3A0853EDD9}"/>
+              </a:ext>
+            </a:extLst>
+          </p:cNvPr>
+          <p:cNvGrpSpPr/>
+          <p:nvPr userDrawn="1"/>
+        </p:nvGrpSpPr>
+        <p:grpSpPr>
+          <a:xfrm>
+            <a:off x="0" y="6003561"/>
+            <a:ext cx="12200340" cy="871232"/>
+            <a:chOff x="0" y="5842535"/>
+            <a:chExt cx="12498994" cy="1032249"/>
+          </a:xfrm>
+        </p:grpSpPr>
+        <p:grpSp>
+          <p:nvGrpSpPr>
+            <p:cNvPr id="15" name="Group 14">
+              <a:extLst>
+                <a:ext uri="{FF2B5EF4-FFF2-40B4-BE49-F238E27FC236}">
+                  <a16:creationId xmlns:a16="http://schemas.microsoft.com/office/drawing/2014/main" id="{7D8CF696-564F-4703-8541-ABCFB04A4B11}"/>
+                </a:ext>
+              </a:extLst>
+            </p:cNvPr>
+            <p:cNvGrpSpPr/>
+            <p:nvPr userDrawn="1"/>
+          </p:nvGrpSpPr>
+          <p:grpSpPr>
+            <a:xfrm>
+              <a:off x="0" y="5842536"/>
+              <a:ext cx="12490450" cy="1022556"/>
+              <a:chOff x="0" y="5842536"/>
+              <a:chExt cx="12490450" cy="1022556"/>
+            </a:xfrm>
+          </p:grpSpPr>
+          <p:sp>
+            <p:nvSpPr>
+              <p:cNvPr id="17" name="Right Triangle 16">
+                <a:extLst>
+                  <a:ext uri="{FF2B5EF4-FFF2-40B4-BE49-F238E27FC236}">
+                    <a16:creationId xmlns:a16="http://schemas.microsoft.com/office/drawing/2014/main" id="{D618C6EB-F0FD-4B38-AD65-0E0119FA8821}"/>
+                  </a:ext>
+                </a:extLst>
+              </p:cNvPr>
+              <p:cNvSpPr/>
+              <p:nvPr userDrawn="1"/>
+            </p:nvSpPr>
+            <p:spPr bwMode="auto">
+              <a:xfrm>
+                <a:off x="0" y="5842536"/>
+                <a:ext cx="12490450" cy="760396"/>
+              </a:xfrm>
+              <a:prstGeom prst="rtTriangle">
+                <a:avLst/>
+              </a:prstGeom>
+              <a:solidFill>
+                <a:schemeClr val="accent3">
+                  <a:lumMod val="20000"/>
+                  <a:lumOff val="80000"/>
+                </a:schemeClr>
+              </a:solidFill>
+              <a:ln>
+                <a:noFill/>
+                <a:headEnd type="none" w="med" len="med"/>
+                <a:tailEnd type="none" w="med" len="med"/>
+              </a:ln>
+              <a:effectLst/>
+            </p:spPr>
+            <p:style>
+              <a:lnRef idx="1">
+                <a:schemeClr val="accent2"/>
+              </a:lnRef>
+              <a:fillRef idx="3">
+                <a:schemeClr val="accent2"/>
+              </a:fillRef>
+              <a:effectRef idx="2">
+                <a:schemeClr val="accent2"/>
+              </a:effectRef>
+              <a:fontRef idx="minor">
+                <a:schemeClr val="lt1"/>
+              </a:fontRef>
+            </p:style>
+            <p:txBody>
+              <a:bodyPr rot="0" spcFirstLastPara="0" vertOverflow="overflow" horzOverflow="overflow" vert="horz" wrap="square" lIns="91440" tIns="45720" rIns="45720" bIns="91440" numCol="1" spcCol="0" rtlCol="0" fromWordArt="0" anchor="ctr" anchorCtr="0" forceAA="0" compatLnSpc="1">
+                <a:prstTxWarp prst="textNoShape">
+                  <a:avLst/>
+                </a:prstTxWarp>
+                <a:noAutofit/>
+              </a:bodyPr>
+              <a:lstStyle/>
+              <a:p>
+                <a:pPr algn="ctr" defTabSz="892277" fontAlgn="base">
+                  <a:spcBef>
+                    <a:spcPct val="0"/>
+                  </a:spcBef>
+                  <a:spcAft>
+                    <a:spcPct val="0"/>
+                  </a:spcAft>
+                </a:pPr>
+                <a:endParaRPr lang="en-US" sz="1757" spc="-49" dirty="0">
+                  <a:gradFill>
+                    <a:gsLst>
+                      <a:gs pos="0">
+                        <a:srgbClr val="FFFFFF"/>
+                      </a:gs>
+                      <a:gs pos="100000">
+                        <a:srgbClr val="FFFFFF"/>
+                      </a:gs>
+                    </a:gsLst>
+                    <a:lin ang="5400000" scaled="0"/>
+                  </a:gradFill>
+                  <a:ea typeface="Segoe UI" pitchFamily="34" charset="0"/>
+                  <a:cs typeface="Segoe UI" pitchFamily="34" charset="0"/>
+                </a:endParaRPr>
+              </a:p>
+            </p:txBody>
+          </p:sp>
+          <p:sp>
+            <p:nvSpPr>
+              <p:cNvPr id="18" name="Rectangle 17">
+                <a:extLst>
+                  <a:ext uri="{FF2B5EF4-FFF2-40B4-BE49-F238E27FC236}">
+                    <a16:creationId xmlns:a16="http://schemas.microsoft.com/office/drawing/2014/main" id="{45C7F244-1F7B-475D-A008-2B7BBB6DAE79}"/>
+                  </a:ext>
+                </a:extLst>
+              </p:cNvPr>
+              <p:cNvSpPr/>
+              <p:nvPr userDrawn="1"/>
+            </p:nvSpPr>
+            <p:spPr bwMode="auto">
+              <a:xfrm>
+                <a:off x="0" y="6602932"/>
+                <a:ext cx="12490450" cy="262160"/>
+              </a:xfrm>
+              <a:prstGeom prst="rect">
+                <a:avLst/>
+              </a:prstGeom>
+              <a:solidFill>
+                <a:schemeClr val="accent3">
+                  <a:lumMod val="20000"/>
+                  <a:lumOff val="80000"/>
+                </a:schemeClr>
+              </a:solidFill>
+              <a:ln>
+                <a:noFill/>
+                <a:headEnd type="none" w="med" len="med"/>
+                <a:tailEnd type="none" w="med" len="med"/>
+              </a:ln>
+              <a:effectLst/>
+            </p:spPr>
+            <p:style>
+              <a:lnRef idx="1">
+                <a:schemeClr val="accent2"/>
+              </a:lnRef>
+              <a:fillRef idx="3">
+                <a:schemeClr val="accent2"/>
+              </a:fillRef>
+              <a:effectRef idx="2">
+                <a:schemeClr val="accent2"/>
+              </a:effectRef>
+              <a:fontRef idx="minor">
+                <a:schemeClr val="lt1"/>
+              </a:fontRef>
+            </p:style>
+            <p:txBody>
+              <a:bodyPr rot="0" spcFirstLastPara="0" vertOverflow="overflow" horzOverflow="overflow" vert="horz" wrap="square" lIns="91440" tIns="45720" rIns="45720" bIns="91440" numCol="1" spcCol="0" rtlCol="0" fromWordArt="0" anchor="ctr" anchorCtr="0" forceAA="0" compatLnSpc="1">
+                <a:prstTxWarp prst="textNoShape">
+                  <a:avLst/>
+                </a:prstTxWarp>
+                <a:noAutofit/>
+              </a:bodyPr>
+              <a:lstStyle/>
+              <a:p>
+                <a:pPr algn="ctr" defTabSz="892277" fontAlgn="base">
+                  <a:spcBef>
+                    <a:spcPct val="0"/>
+                  </a:spcBef>
+                  <a:spcAft>
+                    <a:spcPct val="0"/>
+                  </a:spcAft>
+                </a:pPr>
+                <a:endParaRPr lang="en-US" sz="1757" spc="-49" dirty="0">
+                  <a:gradFill>
+                    <a:gsLst>
+                      <a:gs pos="0">
+                        <a:srgbClr val="FFFFFF"/>
+                      </a:gs>
+                      <a:gs pos="100000">
+                        <a:srgbClr val="FFFFFF"/>
+                      </a:gs>
+                    </a:gsLst>
+                    <a:lin ang="5400000" scaled="0"/>
+                  </a:gradFill>
+                  <a:ea typeface="Segoe UI" pitchFamily="34" charset="0"/>
+                  <a:cs typeface="Segoe UI" pitchFamily="34" charset="0"/>
+                </a:endParaRPr>
+              </a:p>
+            </p:txBody>
+          </p:sp>
+        </p:grpSp>
+        <p:sp>
+          <p:nvSpPr>
+            <p:cNvPr id="16" name="Right Triangle 15">
+              <a:extLst>
+                <a:ext uri="{FF2B5EF4-FFF2-40B4-BE49-F238E27FC236}">
+                  <a16:creationId xmlns:a16="http://schemas.microsoft.com/office/drawing/2014/main" id="{3C87F738-E1C4-4687-B3B3-1C40F1B6F03E}"/>
+                </a:ext>
+              </a:extLst>
+            </p:cNvPr>
+            <p:cNvSpPr/>
+            <p:nvPr userDrawn="1"/>
+          </p:nvSpPr>
+          <p:spPr bwMode="auto">
+            <a:xfrm flipH="1">
+              <a:off x="8166099" y="5842535"/>
+              <a:ext cx="4332895" cy="1032249"/>
+            </a:xfrm>
+            <a:prstGeom prst="rtTriangle">
+              <a:avLst/>
+            </a:prstGeom>
+            <a:solidFill>
+              <a:schemeClr val="accent1">
+                <a:alpha val="85000"/>
+              </a:schemeClr>
+            </a:solidFill>
+            <a:ln>
+              <a:noFill/>
+              <a:headEnd type="none" w="med" len="med"/>
+              <a:tailEnd type="none" w="med" len="med"/>
+            </a:ln>
+            <a:effectLst/>
+          </p:spPr>
+          <p:style>
+            <a:lnRef idx="1">
+              <a:schemeClr val="accent2"/>
+            </a:lnRef>
+            <a:fillRef idx="3">
+              <a:schemeClr val="accent2"/>
+            </a:fillRef>
+            <a:effectRef idx="2">
+              <a:schemeClr val="accent2"/>
+            </a:effectRef>
+            <a:fontRef idx="minor">
+              <a:schemeClr val="lt1"/>
+            </a:fontRef>
+          </p:style>
+          <p:txBody>
+            <a:bodyPr rot="0" spcFirstLastPara="0" vertOverflow="overflow" horzOverflow="overflow" vert="horz" wrap="square" lIns="91440" tIns="45720" rIns="45720" bIns="91440" numCol="1" spcCol="0" rtlCol="0" fromWordArt="0" anchor="ctr" anchorCtr="0" forceAA="0" compatLnSpc="1">
+              <a:prstTxWarp prst="textNoShape">
+                <a:avLst/>
+              </a:prstTxWarp>
+              <a:noAutofit/>
+            </a:bodyPr>
+            <a:lstStyle/>
+            <a:p>
+              <a:pPr algn="ctr" defTabSz="892277" fontAlgn="base">
+                <a:spcBef>
+                  <a:spcPct val="0"/>
+                </a:spcBef>
+                <a:spcAft>
+                  <a:spcPct val="0"/>
+                </a:spcAft>
+              </a:pPr>
+              <a:endParaRPr lang="en-US" sz="1757" spc="-49" dirty="0">
+                <a:gradFill>
+                  <a:gsLst>
+                    <a:gs pos="0">
+                      <a:srgbClr val="FFFFFF"/>
+                    </a:gs>
+                    <a:gs pos="100000">
+                      <a:srgbClr val="FFFFFF"/>
+                    </a:gs>
+                  </a:gsLst>
+                  <a:lin ang="5400000" scaled="0"/>
+                </a:gradFill>
+                <a:ea typeface="Segoe UI" pitchFamily="34" charset="0"/>
+                <a:cs typeface="Segoe UI" pitchFamily="34" charset="0"/>
+              </a:endParaRPr>
+            </a:p>
+          </p:txBody>
+        </p:sp>
+      </p:grpSp>
+      <p:pic>
+        <p:nvPicPr>
+          <p:cNvPr id="19" name="Picture 18">
+            <a:extLst>
+              <a:ext uri="{FF2B5EF4-FFF2-40B4-BE49-F238E27FC236}">
+                <a16:creationId xmlns:a16="http://schemas.microsoft.com/office/drawing/2014/main" id="{91DE588F-73BC-4C33-A58A-25FD2D5EE33C}"/>
+              </a:ext>
+            </a:extLst>
+          </p:cNvPr>
+          <p:cNvPicPr>
+            <a:picLocks noChangeAspect="1"/>
+          </p:cNvPicPr>
+          <p:nvPr userDrawn="1"/>
+        </p:nvPicPr>
+        <p:blipFill>
+          <a:blip r:embed="rId2" cstate="screen">
+            <a:extLst>
+              <a:ext uri="{28A0092B-C50C-407E-A947-70E740481C1C}">
+                <a14:useLocalDpi xmlns:a14="http://schemas.microsoft.com/office/drawing/2010/main"/>
+              </a:ext>
+            </a:extLst>
+          </a:blip>
+          <a:stretch>
+            <a:fillRect/>
+          </a:stretch>
+        </p:blipFill>
+        <p:spPr>
+          <a:xfrm>
+            <a:off x="333605" y="6206356"/>
+            <a:ext cx="2040433" cy="378774"/>
+          </a:xfrm>
+          <a:prstGeom prst="rect">
+            <a:avLst/>
+          </a:prstGeom>
+        </p:spPr>
+      </p:pic>
+      <p:sp>
+        <p:nvSpPr>
+          <p:cNvPr id="39" name="Content Placeholder 2">
+            <a:extLst>
+              <a:ext uri="{FF2B5EF4-FFF2-40B4-BE49-F238E27FC236}">
+                <a16:creationId xmlns:a16="http://schemas.microsoft.com/office/drawing/2014/main" id="{C406B2F8-2071-4013-AFBC-FC808D1DA5EF}"/>
+              </a:ext>
+            </a:extLst>
+          </p:cNvPr>
+          <p:cNvSpPr>
+            <a:spLocks noGrp="1"/>
+          </p:cNvSpPr>
+          <p:nvPr>
+            <p:ph idx="1"/>
+          </p:nvPr>
+        </p:nvSpPr>
+        <p:spPr>
+          <a:xfrm>
+            <a:off x="334962" y="1386380"/>
+            <a:ext cx="11522075" cy="4563570"/>
+          </a:xfrm>
+          <a:prstGeom prst="rect">
+            <a:avLst/>
+          </a:prstGeom>
+        </p:spPr>
+        <p:txBody>
+          <a:bodyPr lIns="0"/>
+          <a:lstStyle>
+            <a:lvl1pPr>
+              <a:defRPr sz="1800">
+                <a:solidFill>
+                  <a:schemeClr val="tx1"/>
+                </a:solidFill>
+              </a:defRPr>
+            </a:lvl1pPr>
+            <a:lvl2pPr>
+              <a:defRPr sz="1600">
+                <a:solidFill>
+                  <a:schemeClr val="tx1"/>
+                </a:solidFill>
+              </a:defRPr>
+            </a:lvl2pPr>
+            <a:lvl3pPr>
+              <a:defRPr sz="1400">
+                <a:solidFill>
+                  <a:schemeClr val="tx1"/>
+                </a:solidFill>
+              </a:defRPr>
+            </a:lvl3pPr>
+            <a:lvl4pPr>
+              <a:defRPr sz="1200">
+                <a:solidFill>
+                  <a:schemeClr val="tx1"/>
+                </a:solidFill>
+              </a:defRPr>
+            </a:lvl4pPr>
+            <a:lvl5pPr>
+              <a:defRPr sz="1100">
+                <a:solidFill>
+                  <a:schemeClr val="tx1"/>
+                </a:solidFill>
+              </a:defRPr>
+            </a:lvl5pPr>
+          </a:lstStyle>
+          <a:p>
+            <a:pPr lvl="0"/>
+            <a:r>
+              <a:rPr lang="en-US"/>
+              <a:t>Edit Master text styles</a:t>
+            </a:r>
+          </a:p>
+          <a:p>
+            <a:pPr lvl="1"/>
+            <a:r>
+              <a:rPr lang="en-US"/>
+              <a:t>Second level</a:t>
+            </a:r>
+          </a:p>
+          <a:p>
+            <a:pPr lvl="2"/>
+            <a:r>
+              <a:rPr lang="en-US"/>
+              <a:t>Third level</a:t>
+            </a:r>
+          </a:p>
+          <a:p>
+            <a:pPr lvl="3"/>
+            <a:r>
+              <a:rPr lang="en-US"/>
+              <a:t>Fourth level</a:t>
+            </a:r>
+          </a:p>
+          <a:p>
+            <a:pPr lvl="4"/>
+            <a:r>
+              <a:rPr lang="en-US"/>
+              <a:t>Fifth level</a:t>
+            </a:r>
+            <a:endParaRPr lang="en-US" dirty="0"/>
+          </a:p>
+        </p:txBody>
+      </p:sp>
+      <p:sp>
+        <p:nvSpPr>
+          <p:cNvPr id="41" name="Subtitle 2">
+            <a:extLst>
+              <a:ext uri="{FF2B5EF4-FFF2-40B4-BE49-F238E27FC236}">
+                <a16:creationId xmlns:a16="http://schemas.microsoft.com/office/drawing/2014/main" id="{50B846E9-323B-4DE7-8556-F399E5E6E074}"/>
+              </a:ext>
+            </a:extLst>
+          </p:cNvPr>
+          <p:cNvSpPr>
+            <a:spLocks noGrp="1"/>
+          </p:cNvSpPr>
+          <p:nvPr>
+            <p:ph type="subTitle" idx="10"/>
+          </p:nvPr>
+        </p:nvSpPr>
+        <p:spPr>
+          <a:xfrm>
+            <a:off x="336712" y="873125"/>
+            <a:ext cx="11520326" cy="323931"/>
+          </a:xfrm>
+          <a:prstGeom prst="rect">
+            <a:avLst/>
+          </a:prstGeom>
+        </p:spPr>
+        <p:txBody>
+          <a:bodyPr lIns="0" tIns="0" rIns="0" bIns="0" anchor="t">
+            <a:noAutofit/>
+          </a:bodyPr>
+          <a:lstStyle>
+            <a:lvl1pPr marL="0" indent="0" algn="l">
+              <a:spcBef>
+                <a:spcPts val="0"/>
+              </a:spcBef>
+              <a:spcAft>
+                <a:spcPts val="0"/>
+              </a:spcAft>
+              <a:buNone/>
+              <a:defRPr sz="2400" b="1">
+                <a:solidFill>
+                  <a:schemeClr val="accent3"/>
+                </a:solidFill>
+                <a:latin typeface="+mj-lt"/>
+              </a:defRPr>
+            </a:lvl1pPr>
+            <a:lvl2pPr marL="457200" indent="0" algn="ctr">
+              <a:buNone/>
+              <a:defRPr>
+                <a:solidFill>
+                  <a:schemeClr val="tx1">
+                    <a:tint val="75000"/>
+                  </a:schemeClr>
+                </a:solidFill>
+              </a:defRPr>
+            </a:lvl2pPr>
+            <a:lvl3pPr marL="914400" indent="0" algn="ctr">
+              <a:buNone/>
+              <a:defRPr>
+                <a:solidFill>
+                  <a:schemeClr val="tx1">
+                    <a:tint val="75000"/>
+                  </a:schemeClr>
+                </a:solidFill>
+              </a:defRPr>
+            </a:lvl3pPr>
+            <a:lvl4pPr marL="1371600" indent="0" algn="ctr">
+              <a:buNone/>
+              <a:defRPr>
+                <a:solidFill>
+                  <a:schemeClr val="tx1">
+                    <a:tint val="75000"/>
+                  </a:schemeClr>
+                </a:solidFill>
+              </a:defRPr>
+            </a:lvl4pPr>
+            <a:lvl5pPr marL="1828800" indent="0" algn="ctr">
+              <a:buNone/>
+              <a:defRPr>
+                <a:solidFill>
+                  <a:schemeClr val="tx1">
+                    <a:tint val="75000"/>
+                  </a:schemeClr>
+                </a:solidFill>
+              </a:defRPr>
+            </a:lvl5pPr>
+            <a:lvl6pPr marL="2286000" indent="0" algn="ctr">
+              <a:buNone/>
+              <a:defRPr>
+                <a:solidFill>
+                  <a:schemeClr val="tx1">
+                    <a:tint val="75000"/>
+                  </a:schemeClr>
+                </a:solidFill>
+              </a:defRPr>
+            </a:lvl6pPr>
+            <a:lvl7pPr marL="2743200" indent="0" algn="ctr">
+              <a:buNone/>
+              <a:defRPr>
+                <a:solidFill>
+                  <a:schemeClr val="tx1">
+                    <a:tint val="75000"/>
+                  </a:schemeClr>
+                </a:solidFill>
+              </a:defRPr>
+            </a:lvl7pPr>
+            <a:lvl8pPr marL="3200400" indent="0" algn="ctr">
+              <a:buNone/>
+              <a:defRPr>
+                <a:solidFill>
+                  <a:schemeClr val="tx1">
+                    <a:tint val="75000"/>
+                  </a:schemeClr>
+                </a:solidFill>
+              </a:defRPr>
+            </a:lvl8pPr>
+            <a:lvl9pPr marL="3657600" indent="0" algn="ctr">
+              <a:buNone/>
+              <a:defRPr>
+                <a:solidFill>
+                  <a:schemeClr val="tx1">
+                    <a:tint val="75000"/>
+                  </a:schemeClr>
+                </a:solidFill>
+              </a:defRPr>
+            </a:lvl9pPr>
+          </a:lstStyle>
+          <a:p>
+            <a:r>
+              <a:rPr lang="en-US"/>
+              <a:t>Click to edit Master subtitle style</a:t>
+            </a:r>
+            <a:endParaRPr lang="en-US" dirty="0"/>
+          </a:p>
+        </p:txBody>
+      </p:sp>
+      <p:sp>
+        <p:nvSpPr>
+          <p:cNvPr id="13" name="Slide Number Placeholder 4"/>
+          <p:cNvSpPr txBox="1">
+            <a:spLocks/>
+          </p:cNvSpPr>
+          <p:nvPr userDrawn="1"/>
+        </p:nvSpPr>
+        <p:spPr>
+          <a:xfrm>
+            <a:off x="10513353" y="6210518"/>
+            <a:ext cx="1307172" cy="285236"/>
+          </a:xfrm>
+          <a:prstGeom prst="rect">
+            <a:avLst/>
+          </a:prstGeom>
+        </p:spPr>
+        <p:txBody>
+          <a:bodyPr rIns="0" bIns="0"/>
+          <a:lstStyle>
+            <a:defPPr>
+              <a:defRPr lang="en-US"/>
+            </a:defPPr>
+            <a:lvl1pPr marL="0" algn="r" defTabSz="914363" rtl="0" eaLnBrk="1" latinLnBrk="0" hangingPunct="1">
+              <a:defRPr sz="2000" b="1" i="0" kern="1200">
+                <a:solidFill>
+                  <a:schemeClr val="bg1"/>
+                </a:solidFill>
+                <a:latin typeface="+mn-lt"/>
+                <a:ea typeface="Arial" charset="0"/>
+                <a:cs typeface="Arial" charset="0"/>
+              </a:defRPr>
+            </a:lvl1pPr>
+            <a:lvl2pPr marL="457182" algn="l" defTabSz="914363" rtl="0" eaLnBrk="1" latinLnBrk="0" hangingPunct="1">
+              <a:defRPr sz="1800" kern="1200">
+                <a:solidFill>
+                  <a:schemeClr val="tx1"/>
+                </a:solidFill>
+                <a:latin typeface="+mn-lt"/>
+                <a:ea typeface="+mn-ea"/>
+                <a:cs typeface="+mn-cs"/>
+              </a:defRPr>
+            </a:lvl2pPr>
+            <a:lvl3pPr marL="914363" algn="l" defTabSz="914363" rtl="0" eaLnBrk="1" latinLnBrk="0" hangingPunct="1">
+              <a:defRPr sz="1800" kern="1200">
+                <a:solidFill>
+                  <a:schemeClr val="tx1"/>
+                </a:solidFill>
+                <a:latin typeface="+mn-lt"/>
+                <a:ea typeface="+mn-ea"/>
+                <a:cs typeface="+mn-cs"/>
+              </a:defRPr>
+            </a:lvl3pPr>
+            <a:lvl4pPr marL="1371545" algn="l" defTabSz="914363" rtl="0" eaLnBrk="1" latinLnBrk="0" hangingPunct="1">
+              <a:defRPr sz="1800" kern="1200">
+                <a:solidFill>
+                  <a:schemeClr val="tx1"/>
+                </a:solidFill>
+                <a:latin typeface="+mn-lt"/>
+                <a:ea typeface="+mn-ea"/>
+                <a:cs typeface="+mn-cs"/>
+              </a:defRPr>
+            </a:lvl4pPr>
+            <a:lvl5pPr marL="1828727" algn="l" defTabSz="914363" rtl="0" eaLnBrk="1" latinLnBrk="0" hangingPunct="1">
+              <a:defRPr sz="1800" kern="1200">
+                <a:solidFill>
+                  <a:schemeClr val="tx1"/>
+                </a:solidFill>
+                <a:latin typeface="+mn-lt"/>
+                <a:ea typeface="+mn-ea"/>
+                <a:cs typeface="+mn-cs"/>
+              </a:defRPr>
+            </a:lvl5pPr>
+            <a:lvl6pPr marL="2285909" algn="l" defTabSz="914363" rtl="0" eaLnBrk="1" latinLnBrk="0" hangingPunct="1">
+              <a:defRPr sz="1800" kern="1200">
+                <a:solidFill>
+                  <a:schemeClr val="tx1"/>
+                </a:solidFill>
+                <a:latin typeface="+mn-lt"/>
+                <a:ea typeface="+mn-ea"/>
+                <a:cs typeface="+mn-cs"/>
+              </a:defRPr>
+            </a:lvl6pPr>
+            <a:lvl7pPr marL="2743090" algn="l" defTabSz="914363" rtl="0" eaLnBrk="1" latinLnBrk="0" hangingPunct="1">
+              <a:defRPr sz="1800" kern="1200">
+                <a:solidFill>
+                  <a:schemeClr val="tx1"/>
+                </a:solidFill>
+                <a:latin typeface="+mn-lt"/>
+                <a:ea typeface="+mn-ea"/>
+                <a:cs typeface="+mn-cs"/>
+              </a:defRPr>
+            </a:lvl7pPr>
+            <a:lvl8pPr marL="3200272" algn="l" defTabSz="914363" rtl="0" eaLnBrk="1" latinLnBrk="0" hangingPunct="1">
+              <a:defRPr sz="1800" kern="1200">
+                <a:solidFill>
+                  <a:schemeClr val="tx1"/>
+                </a:solidFill>
+                <a:latin typeface="+mn-lt"/>
+                <a:ea typeface="+mn-ea"/>
+                <a:cs typeface="+mn-cs"/>
+              </a:defRPr>
+            </a:lvl8pPr>
+            <a:lvl9pPr marL="3657454" algn="l" defTabSz="914363" rtl="0" eaLnBrk="1" latinLnBrk="0" hangingPunct="1">
+              <a:defRPr sz="1800" kern="1200">
+                <a:solidFill>
+                  <a:schemeClr val="tx1"/>
+                </a:solidFill>
+                <a:latin typeface="+mn-lt"/>
+                <a:ea typeface="+mn-ea"/>
+                <a:cs typeface="+mn-cs"/>
+              </a:defRPr>
+            </a:lvl9pPr>
+          </a:lstStyle>
+          <a:p>
+            <a:fld id="{187D0CF8-CE0C-0749-96A9-3DA8AD1B5E14}" type="slidenum">
+              <a:rPr lang="en-US" sz="1600" b="1" smtClean="0">
+                <a:solidFill>
+                  <a:schemeClr val="bg1"/>
+                </a:solidFill>
+                <a:latin typeface="Avenir LT Std 55 Roman" panose="020B0503020203020204" pitchFamily="34" charset="0"/>
+                <a:cs typeface="Segoe UI Semibold" panose="020B0702040204020203" pitchFamily="34" charset="0"/>
+              </a:rPr>
+              <a:pPr/>
+              <a:t>‹#›</a:t>
+            </a:fld>
+            <a:r>
+              <a:rPr lang="en-US" sz="1600" b="1" dirty="0">
+                <a:solidFill>
+                  <a:schemeClr val="bg1"/>
+                </a:solidFill>
+                <a:latin typeface="Avenir LT Std 55 Roman" panose="020B0503020203020204" pitchFamily="34" charset="0"/>
+                <a:cs typeface="Segoe UI Semibold" panose="020B0702040204020203" pitchFamily="34" charset="0"/>
+              </a:rPr>
+              <a:t>/</a:t>
+            </a:r>
+            <a:endParaRPr lang="en-US" sz="1200" b="1" dirty="0">
+              <a:solidFill>
+                <a:schemeClr val="bg1"/>
+              </a:solidFill>
+              <a:latin typeface="Avenir LT Std 55 Roman" panose="020B0503020203020204" pitchFamily="34" charset="0"/>
+              <a:cs typeface="Segoe UI Semibold" panose="020B0702040204020203" pitchFamily="34" charset="0"/>
+            </a:endParaRPr>
+          </a:p>
+        </p:txBody>
+      </p:sp>
+      <p:sp>
+        <p:nvSpPr>
+          <p:cNvPr id="20" name="Title Placeholder 1">
+            <a:extLst>
+              <a:ext uri="{FF2B5EF4-FFF2-40B4-BE49-F238E27FC236}">
+                <a16:creationId xmlns:a16="http://schemas.microsoft.com/office/drawing/2014/main" id="{651CF7B9-372B-4428-921C-975EA4C38A68}"/>
+              </a:ext>
+            </a:extLst>
+          </p:cNvPr>
+          <p:cNvSpPr>
+            <a:spLocks noGrp="1"/>
+          </p:cNvSpPr>
+          <p:nvPr>
+            <p:ph type="title" hasCustomPrompt="1"/>
+          </p:nvPr>
+        </p:nvSpPr>
+        <p:spPr>
+          <a:xfrm>
+            <a:off x="336712" y="331786"/>
+            <a:ext cx="11520320" cy="541339"/>
+          </a:xfrm>
+          <a:prstGeom prst="rect">
+            <a:avLst/>
+          </a:prstGeom>
+        </p:spPr>
+        <p:txBody>
+          <a:bodyPr vert="horz" lIns="0" tIns="0" rIns="91440" bIns="45720" rtlCol="0" anchor="t">
+            <a:normAutofit/>
+          </a:bodyPr>
+          <a:lstStyle>
+            <a:lvl1pPr>
+              <a:defRPr spc="-50" baseline="0"/>
+            </a:lvl1pPr>
+          </a:lstStyle>
+          <a:p>
+            <a:r>
+              <a:rPr lang="en-US" dirty="0"/>
+              <a:t>CLICK TO EDIT MASTER TITLE STYLE</a:t>
+            </a:r>
+          </a:p>
+        </p:txBody>
+      </p:sp>
+    </p:spTree>
+    <p:extLst>
+      <p:ext uri="{BB962C8B-B14F-4D97-AF65-F5344CB8AC3E}">
+        <p14:creationId xmlns:p14="http://schemas.microsoft.com/office/powerpoint/2010/main" val="4074481494"/>
+      </p:ext>
+    </p:extLst>
+  </p:cSld>
+  <p:clrMapOvr>
+    <a:masterClrMapping/>
+  </p:clrMapOvr>
+  <mc:AlternateContent xmlns:mc="http://schemas.openxmlformats.org/markup-compatibility/2006" xmlns:p14="http://schemas.microsoft.com/office/powerpoint/2010/main">
+    <mc:Choice Requires="p14">
+      <p:transition spd="med" p14:dur="700">
+        <p:fade/>
+      </p:transition>
+    </mc:Choice>
+    <mc:Fallback xmlns="">
+      <p:transition spd="med">
+        <p:fade/>
+      </p:transition>
+    </mc:Fallback>
+  </mc:AlternateContent>
 </p:sldLayout>
 </file>
 
@@ -25722,7 +26516,7 @@
           <a:graphicData uri="http://schemas.openxmlformats.org/presentationml/2006/ole">
             <mc:AlternateContent xmlns:mc="http://schemas.openxmlformats.org/markup-compatibility/2006">
               <mc:Choice xmlns:v="urn:schemas-microsoft-com:vml" Requires="v">
-                <p:oleObj spid="_x0000_s1128" name="think-cell Slide" r:id="rId4" imgW="493" imgH="493" progId="TCLayout.ActiveDocument.1">
+                <p:oleObj spid="_x0000_s1135" name="think-cell Slide" r:id="rId4" imgW="493" imgH="493" progId="TCLayout.ActiveDocument.1">
                   <p:embed/>
                 </p:oleObj>
               </mc:Choice>
@@ -29093,6 +29887,7 @@
     <p:sldLayoutId id="2147484089" r:id="rId28"/>
     <p:sldLayoutId id="2147484090" r:id="rId29"/>
     <p:sldLayoutId id="2147484108" r:id="rId30"/>
+    <p:sldLayoutId id="2147484113" r:id="rId31"/>
   </p:sldLayoutIdLst>
   <mc:AlternateContent xmlns:mc="http://schemas.openxmlformats.org/markup-compatibility/2006" xmlns:p14="http://schemas.microsoft.com/office/powerpoint/2010/main">
     <mc:Choice Requires="p14">
@@ -29799,6 +30594,13 @@
       </p:transition>
     </mc:Fallback>
   </mc:AlternateContent>
+  <p:timing>
+    <p:tnLst>
+      <p:par>
+        <p:cTn id="1" dur="indefinite" restart="never" nodeType="tmRoot"/>
+      </p:par>
+    </p:tnLst>
+  </p:timing>
 </p:sld>
 </file>
 
@@ -34163,6 +34965,13 @@
       </p:transition>
     </mc:Fallback>
   </mc:AlternateContent>
+  <p:timing>
+    <p:tnLst>
+      <p:par>
+        <p:cTn id="1" dur="indefinite" restart="never" nodeType="tmRoot"/>
+      </p:par>
+    </p:tnLst>
+  </p:timing>
 </p:sld>
 </file>
 
@@ -34437,8 +35246,8 @@
         </p:blipFill>
         <p:spPr>
           <a:xfrm>
-            <a:off x="342900" y="3107315"/>
-            <a:ext cx="11059786" cy="2079827"/>
+            <a:off x="268085" y="3655846"/>
+            <a:ext cx="5584074" cy="1050102"/>
           </a:xfrm>
           <a:prstGeom prst="rect">
             <a:avLst/>
@@ -34478,6 +35287,289 @@
 </file>
 
 <file path=ppt/slides/slide21.xml><?xml version="1.0" encoding="utf-8"?>
+<p:sld xmlns:a="http://schemas.openxmlformats.org/drawingml/2006/main" xmlns:r="http://schemas.openxmlformats.org/officeDocument/2006/relationships" xmlns:p="http://schemas.openxmlformats.org/presentationml/2006/main">
+  <p:cSld>
+    <p:spTree>
+      <p:nvGrpSpPr>
+        <p:cNvPr id="1" name=""/>
+        <p:cNvGrpSpPr/>
+        <p:nvPr/>
+      </p:nvGrpSpPr>
+      <p:grpSpPr>
+        <a:xfrm>
+          <a:off x="0" y="0"/>
+          <a:ext cx="0" cy="0"/>
+          <a:chOff x="0" y="0"/>
+          <a:chExt cx="0" cy="0"/>
+        </a:xfrm>
+      </p:grpSpPr>
+      <p:sp>
+        <p:nvSpPr>
+          <p:cNvPr id="2" name="Title 1">
+            <a:extLst>
+              <a:ext uri="{FF2B5EF4-FFF2-40B4-BE49-F238E27FC236}">
+                <a16:creationId xmlns:a16="http://schemas.microsoft.com/office/drawing/2014/main" id="{C490085E-070D-41D4-B7B1-CBD08D8A2C73}"/>
+              </a:ext>
+            </a:extLst>
+          </p:cNvPr>
+          <p:cNvSpPr>
+            <a:spLocks noGrp="1"/>
+          </p:cNvSpPr>
+          <p:nvPr>
+            <p:ph type="title"/>
+          </p:nvPr>
+        </p:nvSpPr>
+        <p:spPr>
+          <a:xfrm>
+            <a:off x="336718" y="549275"/>
+            <a:ext cx="11520320" cy="560905"/>
+          </a:xfrm>
+        </p:spPr>
+        <p:txBody>
+          <a:bodyPr/>
+          <a:lstStyle/>
+          <a:p>
+            <a:r>
+              <a:rPr lang="tr-TR" sz="3000" dirty="0" err="1" smtClean="0"/>
+              <a:t>Architectural</a:t>
+            </a:r>
+            <a:r>
+              <a:rPr lang="tr-TR" sz="3000" dirty="0" smtClean="0"/>
+              <a:t> </a:t>
+            </a:r>
+            <a:r>
+              <a:rPr lang="tr-TR" sz="3000" dirty="0" err="1" smtClean="0"/>
+              <a:t>Overview</a:t>
+            </a:r>
+            <a:endParaRPr lang="tr-TR" sz="3000" dirty="0"/>
+          </a:p>
+        </p:txBody>
+      </p:sp>
+      <p:sp>
+        <p:nvSpPr>
+          <p:cNvPr id="4" name="Subtitle 3">
+            <a:extLst>
+              <a:ext uri="{FF2B5EF4-FFF2-40B4-BE49-F238E27FC236}">
+                <a16:creationId xmlns:a16="http://schemas.microsoft.com/office/drawing/2014/main" id="{FCB4A3E8-2124-46B0-8BA9-30005143A38F}"/>
+              </a:ext>
+            </a:extLst>
+          </p:cNvPr>
+          <p:cNvSpPr>
+            <a:spLocks noGrp="1"/>
+          </p:cNvSpPr>
+          <p:nvPr>
+            <p:ph type="subTitle" idx="10"/>
+          </p:nvPr>
+        </p:nvSpPr>
+        <p:spPr>
+          <a:xfrm>
+            <a:off x="336712" y="188913"/>
+            <a:ext cx="11520326" cy="330072"/>
+          </a:xfrm>
+        </p:spPr>
+        <p:txBody>
+          <a:bodyPr/>
+          <a:lstStyle/>
+          <a:p>
+            <a:r>
+              <a:rPr lang="tr-TR" dirty="0" smtClean="0"/>
+              <a:t>OpenShift </a:t>
+            </a:r>
+            <a:r>
+              <a:rPr lang="tr-TR" dirty="0" err="1" smtClean="0"/>
+              <a:t>Container</a:t>
+            </a:r>
+            <a:r>
+              <a:rPr lang="tr-TR" dirty="0" smtClean="0"/>
+              <a:t> Platform</a:t>
+            </a:r>
+            <a:endParaRPr lang="en-US" dirty="0"/>
+          </a:p>
+        </p:txBody>
+      </p:sp>
+      <p:sp>
+        <p:nvSpPr>
+          <p:cNvPr id="5" name="Footer Placeholder 4">
+            <a:extLst>
+              <a:ext uri="{FF2B5EF4-FFF2-40B4-BE49-F238E27FC236}">
+                <a16:creationId xmlns:a16="http://schemas.microsoft.com/office/drawing/2014/main" id="{975DF000-EF67-45C3-8B9A-4A3D0DEEEE4E}"/>
+              </a:ext>
+            </a:extLst>
+          </p:cNvPr>
+          <p:cNvSpPr>
+            <a:spLocks noGrp="1"/>
+          </p:cNvSpPr>
+          <p:nvPr>
+            <p:ph type="ftr" sz="quarter" idx="3"/>
+          </p:nvPr>
+        </p:nvSpPr>
+        <p:spPr/>
+        <p:txBody>
+          <a:bodyPr/>
+          <a:lstStyle/>
+          <a:p>
+            <a:endParaRPr lang="en-US" dirty="0"/>
+          </a:p>
+        </p:txBody>
+      </p:sp>
+      <p:sp>
+        <p:nvSpPr>
+          <p:cNvPr id="6" name="Slide Number Placeholder 5">
+            <a:extLst>
+              <a:ext uri="{FF2B5EF4-FFF2-40B4-BE49-F238E27FC236}">
+                <a16:creationId xmlns:a16="http://schemas.microsoft.com/office/drawing/2014/main" id="{D2E43634-C457-4940-9CED-9F60E7486760}"/>
+              </a:ext>
+            </a:extLst>
+          </p:cNvPr>
+          <p:cNvSpPr>
+            <a:spLocks noGrp="1"/>
+          </p:cNvSpPr>
+          <p:nvPr>
+            <p:ph type="sldNum" sz="quarter" idx="4"/>
+          </p:nvPr>
+        </p:nvSpPr>
+        <p:spPr/>
+        <p:txBody>
+          <a:bodyPr/>
+          <a:lstStyle/>
+          <a:p>
+            <a:fld id="{D57F1E4F-1CFF-5643-939E-217C01CDF565}" type="slidenum">
+              <a:rPr lang="en-US" smtClean="0"/>
+              <a:pPr/>
+              <a:t>21</a:t>
+            </a:fld>
+            <a:endParaRPr lang="en-US" dirty="0"/>
+          </a:p>
+        </p:txBody>
+      </p:sp>
+      <p:pic>
+        <p:nvPicPr>
+          <p:cNvPr id="10" name="Picture 9"/>
+          <p:cNvPicPr>
+            <a:picLocks noChangeAspect="1"/>
+          </p:cNvPicPr>
+          <p:nvPr/>
+        </p:nvPicPr>
+        <p:blipFill rotWithShape="1">
+          <a:blip r:embed="rId2"/>
+          <a:srcRect l="769" t="12228" r="1"/>
+          <a:stretch/>
+        </p:blipFill>
+        <p:spPr>
+          <a:xfrm>
+            <a:off x="336712" y="1071908"/>
+            <a:ext cx="9113561" cy="4148053"/>
+          </a:xfrm>
+          <a:prstGeom prst="rect">
+            <a:avLst/>
+          </a:prstGeom>
+        </p:spPr>
+      </p:pic>
+    </p:spTree>
+    <p:extLst>
+      <p:ext uri="{BB962C8B-B14F-4D97-AF65-F5344CB8AC3E}">
+        <p14:creationId xmlns:p14="http://schemas.microsoft.com/office/powerpoint/2010/main" val="4031974282"/>
+      </p:ext>
+    </p:extLst>
+  </p:cSld>
+  <p:clrMapOvr>
+    <a:masterClrMapping/>
+  </p:clrMapOvr>
+  <mc:AlternateContent xmlns:mc="http://schemas.openxmlformats.org/markup-compatibility/2006" xmlns:p14="http://schemas.microsoft.com/office/powerpoint/2010/main">
+    <mc:Choice Requires="p14">
+      <p:transition spd="med" p14:dur="700">
+        <p:fade/>
+      </p:transition>
+    </mc:Choice>
+    <mc:Fallback xmlns="">
+      <p:transition spd="med">
+        <p:fade/>
+      </p:transition>
+    </mc:Fallback>
+  </mc:AlternateContent>
+  <p:timing>
+    <p:tnLst>
+      <p:par>
+        <p:cTn id="1" dur="indefinite" restart="never" nodeType="tmRoot"/>
+      </p:par>
+    </p:tnLst>
+  </p:timing>
+</p:sld>
+</file>
+
+<file path=ppt/slides/slide22.xml><?xml version="1.0" encoding="utf-8"?>
+<p:sld xmlns:a="http://schemas.openxmlformats.org/drawingml/2006/main" xmlns:r="http://schemas.openxmlformats.org/officeDocument/2006/relationships" xmlns:p="http://schemas.openxmlformats.org/presentationml/2006/main">
+  <p:cSld>
+    <p:spTree>
+      <p:nvGrpSpPr>
+        <p:cNvPr id="1" name=""/>
+        <p:cNvGrpSpPr/>
+        <p:nvPr/>
+      </p:nvGrpSpPr>
+      <p:grpSpPr>
+        <a:xfrm>
+          <a:off x="0" y="0"/>
+          <a:ext cx="0" cy="0"/>
+          <a:chOff x="0" y="0"/>
+          <a:chExt cx="0" cy="0"/>
+        </a:xfrm>
+      </p:grpSpPr>
+      <p:pic>
+        <p:nvPicPr>
+          <p:cNvPr id="3" name="Picture 2"/>
+          <p:cNvPicPr>
+            <a:picLocks noChangeAspect="1"/>
+          </p:cNvPicPr>
+          <p:nvPr/>
+        </p:nvPicPr>
+        <p:blipFill rotWithShape="1">
+          <a:blip r:embed="rId2"/>
+          <a:srcRect l="1964" t="7501" r="1997" b="2816"/>
+          <a:stretch/>
+        </p:blipFill>
+        <p:spPr>
+          <a:xfrm>
+            <a:off x="207818" y="324196"/>
+            <a:ext cx="10565477" cy="5569527"/>
+          </a:xfrm>
+          <a:prstGeom prst="rect">
+            <a:avLst/>
+          </a:prstGeom>
+        </p:spPr>
+      </p:pic>
+    </p:spTree>
+    <p:extLst>
+      <p:ext uri="{BB962C8B-B14F-4D97-AF65-F5344CB8AC3E}">
+        <p14:creationId xmlns:p14="http://schemas.microsoft.com/office/powerpoint/2010/main" val="2634869735"/>
+      </p:ext>
+    </p:extLst>
+  </p:cSld>
+  <p:clrMapOvr>
+    <a:masterClrMapping/>
+  </p:clrMapOvr>
+  <mc:AlternateContent xmlns:mc="http://schemas.openxmlformats.org/markup-compatibility/2006" xmlns:p14="http://schemas.microsoft.com/office/powerpoint/2010/main">
+    <mc:Choice Requires="p14">
+      <p:transition spd="med" p14:dur="700">
+        <p:fade/>
+      </p:transition>
+    </mc:Choice>
+    <mc:Fallback xmlns="">
+      <p:transition spd="med">
+        <p:fade/>
+      </p:transition>
+    </mc:Fallback>
+  </mc:AlternateContent>
+  <p:timing>
+    <p:tnLst>
+      <p:par>
+        <p:cTn id="1" dur="indefinite" restart="never" nodeType="tmRoot"/>
+      </p:par>
+    </p:tnLst>
+  </p:timing>
+</p:sld>
+</file>
+
+<file path=ppt/slides/slide23.xml><?xml version="1.0" encoding="utf-8"?>
 <p:sld xmlns:a="http://schemas.openxmlformats.org/drawingml/2006/main" xmlns:r="http://schemas.openxmlformats.org/officeDocument/2006/relationships" xmlns:p="http://schemas.openxmlformats.org/presentationml/2006/main">
   <p:cSld>
     <p:spTree>
@@ -34825,6 +35917,13 @@
       </p:transition>
     </mc:Fallback>
   </mc:AlternateContent>
+  <p:timing>
+    <p:tnLst>
+      <p:par>
+        <p:cTn id="1" dur="indefinite" restart="never" nodeType="tmRoot"/>
+      </p:par>
+    </p:tnLst>
+  </p:timing>
 </p:sld>
 </file>
 
@@ -35407,6 +36506,13 @@
       </p:transition>
     </mc:Fallback>
   </mc:AlternateContent>
+  <p:timing>
+    <p:tnLst>
+      <p:par>
+        <p:cTn id="1" dur="indefinite" restart="never" nodeType="tmRoot"/>
+      </p:par>
+    </p:tnLst>
+  </p:timing>
 </p:sld>
 </file>
 
@@ -39871,21 +40977,6 @@
 </file>
 
 <file path=customXml/item1.xml><?xml version="1.0" encoding="utf-8"?>
-<?mso-contentType ?>
-<FormTemplates xmlns="http://schemas.microsoft.com/sharepoint/v3/contenttype/forms">
-  <Display>DocumentLibraryForm</Display>
-  <Edit>DocumentLibraryForm</Edit>
-  <New>DocumentLibraryForm</New>
-</FormTemplates>
-</file>
-
-<file path=customXml/item2.xml><?xml version="1.0" encoding="utf-8"?>
-<p:properties xmlns:p="http://schemas.microsoft.com/office/2006/metadata/properties" xmlns:xsi="http://www.w3.org/2001/XMLSchema-instance" xmlns:pc="http://schemas.microsoft.com/office/infopath/2007/PartnerControls">
-  <documentManagement/>
-</p:properties>
-</file>
-
-<file path=customXml/item3.xml><?xml version="1.0" encoding="utf-8"?>
 <ct:contentTypeSchema xmlns:ct="http://schemas.microsoft.com/office/2006/metadata/contentType" xmlns:ma="http://schemas.microsoft.com/office/2006/metadata/properties/metaAttributes" ct:_="" ma:_="" ma:contentTypeName="Document" ma:contentTypeID="0x0101009F93C3AB8E18F14AA75FCFFC3DD8137B" ma:contentTypeVersion="9" ma:contentTypeDescription="Create a new document." ma:contentTypeScope="" ma:versionID="e1355eaa38c9a7a2724e8d8f25915553">
   <xsd:schema xmlns:xsd="http://www.w3.org/2001/XMLSchema" xmlns:xs="http://www.w3.org/2001/XMLSchema" xmlns:p="http://schemas.microsoft.com/office/2006/metadata/properties" xmlns:ns2="c68eeec1-fd7d-4b5b-b080-ad012c1ba04c" xmlns:ns3="86f6de27-9fb0-4822-b4f1-890bc8d459f3" targetNamespace="http://schemas.microsoft.com/office/2006/metadata/properties" ma:root="true" ma:fieldsID="e02c93612737afc32c36e5f44d9dac0d" ns2:_="" ns3:_="">
     <xsd:import namespace="c68eeec1-fd7d-4b5b-b080-ad012c1ba04c"/>
@@ -40082,10 +41173,36 @@
 </ct:contentTypeSchema>
 </file>
 
+<file path=customXml/item2.xml><?xml version="1.0" encoding="utf-8"?>
+<p:properties xmlns:p="http://schemas.microsoft.com/office/2006/metadata/properties" xmlns:xsi="http://www.w3.org/2001/XMLSchema-instance" xmlns:pc="http://schemas.microsoft.com/office/infopath/2007/PartnerControls">
+  <documentManagement/>
+</p:properties>
+</file>
+
+<file path=customXml/item3.xml><?xml version="1.0" encoding="utf-8"?>
+<?mso-contentType ?>
+<FormTemplates xmlns="http://schemas.microsoft.com/sharepoint/v3/contenttype/forms">
+  <Display>DocumentLibraryForm</Display>
+  <Edit>DocumentLibraryForm</Edit>
+  <New>DocumentLibraryForm</New>
+</FormTemplates>
+</file>
+
 <file path=customXml/itemProps1.xml><?xml version="1.0" encoding="utf-8"?>
-<ds:datastoreItem xmlns:ds="http://schemas.openxmlformats.org/officeDocument/2006/customXml" ds:itemID="{F74F54A4-0147-4BC4-AF4E-C14AC00FB318}">
+<ds:datastoreItem xmlns:ds="http://schemas.openxmlformats.org/officeDocument/2006/customXml" ds:itemID="{9B71F6BB-5B7A-40EF-BDBA-12BABC3F9052}">
   <ds:schemaRefs>
-    <ds:schemaRef ds:uri="http://schemas.microsoft.com/sharepoint/v3/contenttype/forms"/>
+    <ds:schemaRef ds:uri="http://schemas.microsoft.com/office/2006/metadata/contentType"/>
+    <ds:schemaRef ds:uri="http://schemas.microsoft.com/office/2006/metadata/properties/metaAttributes"/>
+    <ds:schemaRef ds:uri="http://www.w3.org/2001/XMLSchema"/>
+    <ds:schemaRef ds:uri="http://schemas.microsoft.com/office/2006/metadata/properties"/>
+    <ds:schemaRef ds:uri="c68eeec1-fd7d-4b5b-b080-ad012c1ba04c"/>
+    <ds:schemaRef ds:uri="86f6de27-9fb0-4822-b4f1-890bc8d459f3"/>
+    <ds:schemaRef ds:uri="http://schemas.microsoft.com/office/2006/documentManagement/types"/>
+    <ds:schemaRef ds:uri="http://schemas.microsoft.com/office/infopath/2007/PartnerControls"/>
+    <ds:schemaRef ds:uri="http://schemas.openxmlformats.org/package/2006/metadata/core-properties"/>
+    <ds:schemaRef ds:uri="http://purl.org/dc/elements/1.1/"/>
+    <ds:schemaRef ds:uri="http://purl.org/dc/terms/"/>
+    <ds:schemaRef ds:uri="http://schemas.microsoft.com/internal/obd"/>
   </ds:schemaRefs>
 </ds:datastoreItem>
 </file>
@@ -40108,20 +41225,9 @@
 </file>
 
 <file path=customXml/itemProps3.xml><?xml version="1.0" encoding="utf-8"?>
-<ds:datastoreItem xmlns:ds="http://schemas.openxmlformats.org/officeDocument/2006/customXml" ds:itemID="{9B71F6BB-5B7A-40EF-BDBA-12BABC3F9052}">
+<ds:datastoreItem xmlns:ds="http://schemas.openxmlformats.org/officeDocument/2006/customXml" ds:itemID="{F74F54A4-0147-4BC4-AF4E-C14AC00FB318}">
   <ds:schemaRefs>
-    <ds:schemaRef ds:uri="http://schemas.microsoft.com/office/2006/metadata/contentType"/>
-    <ds:schemaRef ds:uri="http://schemas.microsoft.com/office/2006/metadata/properties/metaAttributes"/>
-    <ds:schemaRef ds:uri="http://www.w3.org/2001/XMLSchema"/>
-    <ds:schemaRef ds:uri="http://schemas.microsoft.com/office/2006/metadata/properties"/>
-    <ds:schemaRef ds:uri="c68eeec1-fd7d-4b5b-b080-ad012c1ba04c"/>
-    <ds:schemaRef ds:uri="86f6de27-9fb0-4822-b4f1-890bc8d459f3"/>
-    <ds:schemaRef ds:uri="http://schemas.microsoft.com/office/2006/documentManagement/types"/>
-    <ds:schemaRef ds:uri="http://schemas.microsoft.com/office/infopath/2007/PartnerControls"/>
-    <ds:schemaRef ds:uri="http://schemas.openxmlformats.org/package/2006/metadata/core-properties"/>
-    <ds:schemaRef ds:uri="http://purl.org/dc/elements/1.1/"/>
-    <ds:schemaRef ds:uri="http://purl.org/dc/terms/"/>
-    <ds:schemaRef ds:uri="http://schemas.microsoft.com/internal/obd"/>
+    <ds:schemaRef ds:uri="http://schemas.microsoft.com/sharepoint/v3/contenttype/forms"/>
   </ds:schemaRefs>
 </ds:datastoreItem>
 </file>